--- a/Open_Position/Position2.pptx
+++ b/Open_Position/Position2.pptx
@@ -243,7 +243,7 @@
           <a:p>
             <a:fld id="{94DF0F6F-4283-1842-996E-765D9A9063B8}" type="datetimeFigureOut">
               <a:rPr kumimoji="1" lang="zh-CN" altLang="en-US" smtClean="0"/>
-              <a:t>2023/1/26</a:t>
+              <a:t>2023/11/28</a:t>
             </a:fld>
             <a:endParaRPr kumimoji="1" lang="zh-CN" altLang="en-US"/>
           </a:p>
@@ -408,7 +408,7 @@
           <a:p>
             <a:fld id="{94DF0F6F-4283-1842-996E-765D9A9063B8}" type="datetimeFigureOut">
               <a:rPr kumimoji="1" lang="zh-CN" altLang="en-US" smtClean="0"/>
-              <a:t>2023/1/26</a:t>
+              <a:t>2023/11/28</a:t>
             </a:fld>
             <a:endParaRPr kumimoji="1" lang="zh-CN" altLang="en-US"/>
           </a:p>
@@ -583,7 +583,7 @@
           <a:p>
             <a:fld id="{94DF0F6F-4283-1842-996E-765D9A9063B8}" type="datetimeFigureOut">
               <a:rPr kumimoji="1" lang="zh-CN" altLang="en-US" smtClean="0"/>
-              <a:t>2023/1/26</a:t>
+              <a:t>2023/11/28</a:t>
             </a:fld>
             <a:endParaRPr kumimoji="1" lang="zh-CN" altLang="en-US"/>
           </a:p>
@@ -748,7 +748,7 @@
           <a:p>
             <a:fld id="{94DF0F6F-4283-1842-996E-765D9A9063B8}" type="datetimeFigureOut">
               <a:rPr kumimoji="1" lang="zh-CN" altLang="en-US" smtClean="0"/>
-              <a:t>2023/1/26</a:t>
+              <a:t>2023/11/28</a:t>
             </a:fld>
             <a:endParaRPr kumimoji="1" lang="zh-CN" altLang="en-US"/>
           </a:p>
@@ -987,7 +987,7 @@
           <a:p>
             <a:fld id="{94DF0F6F-4283-1842-996E-765D9A9063B8}" type="datetimeFigureOut">
               <a:rPr kumimoji="1" lang="zh-CN" altLang="en-US" smtClean="0"/>
-              <a:t>2023/1/26</a:t>
+              <a:t>2023/11/28</a:t>
             </a:fld>
             <a:endParaRPr kumimoji="1" lang="zh-CN" altLang="en-US"/>
           </a:p>
@@ -1214,7 +1214,7 @@
           <a:p>
             <a:fld id="{94DF0F6F-4283-1842-996E-765D9A9063B8}" type="datetimeFigureOut">
               <a:rPr kumimoji="1" lang="zh-CN" altLang="en-US" smtClean="0"/>
-              <a:t>2023/1/26</a:t>
+              <a:t>2023/11/28</a:t>
             </a:fld>
             <a:endParaRPr kumimoji="1" lang="zh-CN" altLang="en-US"/>
           </a:p>
@@ -1576,7 +1576,7 @@
           <a:p>
             <a:fld id="{94DF0F6F-4283-1842-996E-765D9A9063B8}" type="datetimeFigureOut">
               <a:rPr kumimoji="1" lang="zh-CN" altLang="en-US" smtClean="0"/>
-              <a:t>2023/1/26</a:t>
+              <a:t>2023/11/28</a:t>
             </a:fld>
             <a:endParaRPr kumimoji="1" lang="zh-CN" altLang="en-US"/>
           </a:p>
@@ -1689,7 +1689,7 @@
           <a:p>
             <a:fld id="{94DF0F6F-4283-1842-996E-765D9A9063B8}" type="datetimeFigureOut">
               <a:rPr kumimoji="1" lang="zh-CN" altLang="en-US" smtClean="0"/>
-              <a:t>2023/1/26</a:t>
+              <a:t>2023/11/28</a:t>
             </a:fld>
             <a:endParaRPr kumimoji="1" lang="zh-CN" altLang="en-US"/>
           </a:p>
@@ -1779,7 +1779,7 @@
           <a:p>
             <a:fld id="{94DF0F6F-4283-1842-996E-765D9A9063B8}" type="datetimeFigureOut">
               <a:rPr kumimoji="1" lang="zh-CN" altLang="en-US" smtClean="0"/>
-              <a:t>2023/1/26</a:t>
+              <a:t>2023/11/28</a:t>
             </a:fld>
             <a:endParaRPr kumimoji="1" lang="zh-CN" altLang="en-US"/>
           </a:p>
@@ -2051,7 +2051,7 @@
           <a:p>
             <a:fld id="{94DF0F6F-4283-1842-996E-765D9A9063B8}" type="datetimeFigureOut">
               <a:rPr kumimoji="1" lang="zh-CN" altLang="en-US" smtClean="0"/>
-              <a:t>2023/1/26</a:t>
+              <a:t>2023/11/28</a:t>
             </a:fld>
             <a:endParaRPr kumimoji="1" lang="zh-CN" altLang="en-US"/>
           </a:p>
@@ -2303,7 +2303,7 @@
           <a:p>
             <a:fld id="{94DF0F6F-4283-1842-996E-765D9A9063B8}" type="datetimeFigureOut">
               <a:rPr kumimoji="1" lang="zh-CN" altLang="en-US" smtClean="0"/>
-              <a:t>2023/1/26</a:t>
+              <a:t>2023/11/28</a:t>
             </a:fld>
             <a:endParaRPr kumimoji="1" lang="zh-CN" altLang="en-US"/>
           </a:p>
@@ -2511,7 +2511,7 @@
           <a:p>
             <a:fld id="{94DF0F6F-4283-1842-996E-765D9A9063B8}" type="datetimeFigureOut">
               <a:rPr kumimoji="1" lang="zh-CN" altLang="en-US" smtClean="0"/>
-              <a:t>2023/1/26</a:t>
+              <a:t>2023/11/28</a:t>
             </a:fld>
             <a:endParaRPr kumimoji="1" lang="zh-CN" altLang="en-US"/>
           </a:p>
@@ -2928,7 +2928,7 @@
         </p:nvSpPr>
         <p:spPr>
           <a:xfrm>
-            <a:off x="225631" y="1252624"/>
+            <a:off x="285919" y="870382"/>
             <a:ext cx="6363106" cy="439387"/>
           </a:xfrm>
         </p:spPr>
@@ -2939,10 +2939,24 @@
           <a:lstStyle/>
           <a:p>
             <a:r>
-              <a:rPr lang="en-CA" altLang="zh-CN" sz="2200" b="1" dirty="0"/>
-              <a:t>Open PhD/MSc Positions at the Memorial University</a:t>
-            </a:r>
-            <a:endParaRPr lang="zh-CN" altLang="zh-CN" sz="2200" b="1" dirty="0"/>
+              <a:rPr lang="en-CA" altLang="zh-CN" sz="2000" b="1" dirty="0">
+                <a:solidFill>
+                  <a:srgbClr val="99272D"/>
+                </a:solidFill>
+                <a:latin typeface="+mn-lt"/>
+                <a:ea typeface="+mn-ea"/>
+                <a:cs typeface="+mn-cs"/>
+              </a:rPr>
+              <a:t>Open PhD/MSc Positions at the University of Calgary</a:t>
+            </a:r>
+            <a:endParaRPr lang="zh-CN" altLang="zh-CN" sz="2000" b="1" dirty="0">
+              <a:solidFill>
+                <a:srgbClr val="99272D"/>
+              </a:solidFill>
+              <a:latin typeface="+mn-lt"/>
+              <a:ea typeface="+mn-ea"/>
+              <a:cs typeface="+mn-cs"/>
+            </a:endParaRPr>
           </a:p>
         </p:txBody>
       </p:sp>
@@ -2954,8 +2968,8 @@
         </p:nvSpPr>
         <p:spPr>
           <a:xfrm>
-            <a:off x="2477997" y="1763600"/>
-            <a:ext cx="3588267" cy="1200329"/>
+            <a:off x="2587725" y="1384059"/>
+            <a:ext cx="3588267" cy="1384995"/>
           </a:xfrm>
           <a:prstGeom prst="rect">
             <a:avLst/>
@@ -2969,33 +2983,39 @@
           <a:lstStyle/>
           <a:p>
             <a:r>
-              <a:rPr lang="en-CA" altLang="zh-CN" sz="1200" dirty="0" err="1"/>
-              <a:t>Qiang</a:t>
-            </a:r>
-            <a:r>
               <a:rPr lang="en-CA" altLang="zh-CN" sz="1200" dirty="0"/>
-              <a:t> Ye</a:t>
+              <a:t>Qiang (John) Ye </a:t>
             </a:r>
             <a:br>
               <a:rPr lang="en-CA" altLang="zh-CN" sz="1200" dirty="0"/>
             </a:br>
             <a:r>
               <a:rPr lang="en-CA" altLang="zh-CN" sz="1200" dirty="0"/>
-              <a:t>Assistant Professor</a:t>
+              <a:t>Assistant Professor, PhD, SMIEEE</a:t>
             </a:r>
             <a:br>
               <a:rPr lang="en-CA" altLang="zh-CN" sz="1200" dirty="0"/>
             </a:br>
             <a:r>
               <a:rPr lang="en-CA" altLang="zh-CN" sz="1200" dirty="0"/>
-              <a:t>Department of Computer Science</a:t>
+              <a:t>Department of </a:t>
+            </a:r>
+            <a:r>
+              <a:rPr lang="en-US" altLang="zh-CN" sz="1200" dirty="0"/>
+              <a:t>Electrical and Software Engineering</a:t>
             </a:r>
             <a:br>
               <a:rPr lang="en-CA" altLang="zh-CN" sz="1200" dirty="0"/>
             </a:br>
             <a:r>
-              <a:rPr lang="en-CA" altLang="zh-CN" sz="1200" dirty="0"/>
-              <a:t>Memorial University of Newfoundland, Canada</a:t>
+              <a:rPr lang="en-US" altLang="zh-CN" sz="1200" dirty="0"/>
+              <a:t>Schulich School of Engineering</a:t>
+            </a:r>
+          </a:p>
+          <a:p>
+            <a:r>
+              <a:rPr lang="en-US" altLang="zh-CN" sz="1200" dirty="0"/>
+              <a:t>University of Calgary, Canada</a:t>
             </a:r>
             <a:br>
               <a:rPr lang="en-CA" altLang="zh-CN" sz="1200" dirty="0"/>
@@ -3008,55 +3028,25 @@
               <a:rPr lang="en-CA" altLang="zh-CN" sz="1200" u="sng" dirty="0">
                 <a:hlinkClick r:id="rId2"/>
               </a:rPr>
-              <a:t>qiangy@mun.ca</a:t>
+              <a:t>qiang.ye@ucalgary.ca</a:t>
             </a:r>
             <a:br>
               <a:rPr lang="en-CA" altLang="zh-CN" sz="1200" dirty="0"/>
             </a:br>
             <a:r>
               <a:rPr lang="en-CA" altLang="zh-CN" sz="1200" dirty="0"/>
-              <a:t>Personal Webpage: </a:t>
+              <a:t>Webpage: </a:t>
             </a:r>
             <a:r>
               <a:rPr lang="en-CA" altLang="zh-CN" sz="1200" u="sng" dirty="0">
                 <a:hlinkClick r:id="rId3"/>
               </a:rPr>
-              <a:t>https://www.cs.mun.ca/~qiangy</a:t>
-            </a:r>
-            <a:endParaRPr lang="zh-CN" altLang="zh-CN" sz="1200" dirty="0"/>
-          </a:p>
-        </p:txBody>
-      </p:sp>
-      <p:pic>
-        <p:nvPicPr>
-          <p:cNvPr id="6" name="图片 5"/>
-          <p:cNvPicPr>
-            <a:picLocks noChangeAspect="1"/>
-          </p:cNvPicPr>
-          <p:nvPr/>
-        </p:nvPicPr>
-        <p:blipFill>
-          <a:blip r:embed="rId4">
-            <a:extLst>
-              <a:ext uri="{28A0092B-C50C-407E-A947-70E740481C1C}">
-                <a14:useLocalDpi xmlns:a14="http://schemas.microsoft.com/office/drawing/2010/main" val="0"/>
-              </a:ext>
-            </a:extLst>
-          </a:blip>
-          <a:stretch>
-            <a:fillRect/>
-          </a:stretch>
-        </p:blipFill>
-        <p:spPr>
-          <a:xfrm>
-            <a:off x="1744195" y="1782322"/>
-            <a:ext cx="733802" cy="1100703"/>
-          </a:xfrm>
-          <a:prstGeom prst="rect">
-            <a:avLst/>
-          </a:prstGeom>
-        </p:spPr>
-      </p:pic>
+              <a:t>https://profiles.ucalgary.ca/qiang-john-ye</a:t>
+            </a:r>
+            <a:endParaRPr lang="en-CA" altLang="zh-CN" sz="1200" u="sng" dirty="0"/>
+          </a:p>
+        </p:txBody>
+      </p:sp>
       <p:sp>
         <p:nvSpPr>
           <p:cNvPr id="8" name="文本框 7"/>
@@ -3065,7 +3055,7 @@
         </p:nvSpPr>
         <p:spPr>
           <a:xfrm>
-            <a:off x="285919" y="3064453"/>
+            <a:off x="285919" y="2927293"/>
             <a:ext cx="2707574" cy="369332"/>
           </a:xfrm>
           <a:prstGeom prst="rect">
@@ -3112,7 +3102,7 @@
         </p:nvSpPr>
         <p:spPr>
           <a:xfrm>
-            <a:off x="285920" y="3393593"/>
+            <a:off x="285920" y="3256433"/>
             <a:ext cx="6363106" cy="1938992"/>
           </a:xfrm>
           <a:prstGeom prst="rect">
@@ -3129,15 +3119,23 @@
             <a:pPr algn="just"/>
             <a:r>
               <a:rPr lang="en-US" altLang="zh-CN" sz="1200" dirty="0"/>
-              <a:t>Professor Qiang Ye currently has several</a:t>
+              <a:t>Professor Qiang Ye currently has </a:t>
             </a:r>
             <a:r>
               <a:rPr lang="en-US" altLang="zh-CN" sz="1200" b="1" dirty="0"/>
-              <a:t> PhD/MSc openings for Fall 2023</a:t>
+              <a:t>PhD/MSc openings for Fall 2024</a:t>
             </a:r>
             <a:r>
               <a:rPr lang="en-US" altLang="zh-CN" sz="1200" dirty="0"/>
               <a:t>. Areas of research include </a:t>
+            </a:r>
+            <a:r>
+              <a:rPr lang="en-US" altLang="zh-CN" sz="1200" b="1" dirty="0">
+                <a:solidFill>
+                  <a:srgbClr val="FF0000"/>
+                </a:solidFill>
+              </a:rPr>
+              <a:t>AI-assisted B5G/6G wireless networking, network slicing, edge intelligence, digital-twin-assisted networking, autonomous vehicular networks, and protocol design for Internet-of-Things.</a:t>
             </a:r>
             <a:r>
               <a:rPr lang="en-US" altLang="zh-CN" sz="1200" dirty="0">
@@ -3145,19 +3143,35 @@
                   <a:srgbClr val="FF0000"/>
                 </a:solidFill>
               </a:rPr>
-              <a:t>AI-assisted B5G/6G wireless networking, network slicing, edge intelligence, digital-twin-enabled networking, autonomous vehicular networks, and Internet of Things. </a:t>
+              <a:t> </a:t>
             </a:r>
             <a:r>
               <a:rPr lang="en-US" altLang="zh-CN" sz="1200" dirty="0"/>
-              <a:t>Highly self-motivated students are welcome to apply. If interested, please send me by email your </a:t>
+              <a:t>Highly self-motivated students are welcome to apply. If interested, please send me by email with the subject line as </a:t>
             </a:r>
             <a:r>
               <a:rPr lang="en-US" altLang="zh-CN" sz="1200" b="1" dirty="0"/>
-              <a:t>CV, transcripts, sample publications (if any), and TOFEL/IELTS scores in a single PDF file</a:t>
+              <a:t>"Prospective [MSc/PhD] Student - [Your Name]" </a:t>
             </a:r>
             <a:r>
               <a:rPr lang="en-US" altLang="zh-CN" sz="1200" dirty="0"/>
-              <a:t>. Competitive funding packages will be provided to the Ph.D. and M.Sc. (Thesis Route) students with full financial support. Admission to the Ph.D. or M.Sc. (Thesis Route) program is mainly granted for </a:t>
+              <a:t>and attach your </a:t>
+            </a:r>
+            <a:r>
+              <a:rPr lang="en-US" altLang="zh-CN" sz="1200" b="1" dirty="0"/>
+              <a:t>CV, transcripts, sample publications (if any), and TOFEL/IELTS test results</a:t>
+            </a:r>
+            <a:r>
+              <a:rPr lang="en-US" altLang="zh-CN" sz="1200" dirty="0"/>
+              <a:t>. Admitted PhD/MSc students will be provided with full financial support. Admission to the PhD or the MSc program is </a:t>
+            </a:r>
+            <a:r>
+              <a:rPr lang="en-US" altLang="zh-CN" sz="1200" dirty="0" err="1"/>
+              <a:t>mainlygranted</a:t>
+            </a:r>
+            <a:r>
+              <a:rPr lang="en-US" altLang="zh-CN" sz="1200" dirty="0"/>
+              <a:t> for the </a:t>
             </a:r>
             <a:r>
               <a:rPr lang="en-US" altLang="zh-CN" sz="1200" b="1" dirty="0"/>
@@ -3173,35 +3187,69 @@
             </a:r>
             <a:r>
               <a:rPr lang="en-US" altLang="zh-CN" sz="1200" dirty="0"/>
-              <a:t> semesters </a:t>
+              <a:t> intake semesters (application deadline: </a:t>
             </a:r>
             <a:r>
               <a:rPr lang="en-US" altLang="zh-CN" sz="1200" b="1" dirty="0"/>
-              <a:t>(flexible application deadlines)</a:t>
+              <a:t>Jan. 31st </a:t>
             </a:r>
             <a:r>
               <a:rPr lang="en-US" altLang="zh-CN" sz="1200" dirty="0"/>
-              <a:t>. Visiting scholars/students are also welcomed worldwide. Please refer to the position details on my webpage: </a:t>
-            </a:r>
-            <a:r>
-              <a:rPr lang="en-US" altLang="zh-CN" sz="1200" dirty="0">
+              <a:t>and </a:t>
+            </a:r>
+            <a:r>
+              <a:rPr lang="en-US" altLang="zh-CN" sz="1200" b="1" dirty="0"/>
+              <a:t>Apr. 30th</a:t>
+            </a:r>
+            <a:r>
+              <a:rPr lang="en-US" altLang="zh-CN" sz="1200" dirty="0"/>
+              <a:t>). Please refer to the application guides on the Faculty of Graduate Studies website for </a:t>
+            </a:r>
+            <a:r>
+              <a:rPr lang="en-US" altLang="zh-CN" sz="1200" b="1" dirty="0"/>
+              <a:t>[</a:t>
+            </a:r>
+            <a:r>
+              <a:rPr lang="en-US" altLang="zh-CN" sz="1200" b="1" dirty="0">
+                <a:hlinkClick r:id="rId4"/>
+              </a:rPr>
+              <a:t>MSc</a:t>
+            </a:r>
+            <a:r>
+              <a:rPr lang="en-US" altLang="zh-CN" sz="1200" b="1" dirty="0"/>
+              <a:t>] </a:t>
+            </a:r>
+            <a:r>
+              <a:rPr lang="en-US" altLang="zh-CN" sz="1200" dirty="0"/>
+              <a:t>and </a:t>
+            </a:r>
+            <a:r>
+              <a:rPr lang="en-US" altLang="zh-CN" sz="1200" b="1" dirty="0"/>
+              <a:t>[</a:t>
+            </a:r>
+            <a:r>
+              <a:rPr lang="en-US" altLang="zh-CN" sz="1200" b="1" dirty="0">
                 <a:hlinkClick r:id="rId5"/>
               </a:rPr>
-              <a:t>https://www.cs.mun.ca/~qiangy/Open_Position.html</a:t>
+              <a:t>PhD</a:t>
+            </a:r>
+            <a:r>
+              <a:rPr lang="en-US" altLang="zh-CN" sz="1200" b="1" dirty="0"/>
+              <a:t>] </a:t>
             </a:r>
             <a:r>
               <a:rPr lang="en-US" altLang="zh-CN" sz="1200" dirty="0"/>
-              <a:t> and the guide on the Graduate School website: </a:t>
+              <a:t>programs. [</a:t>
             </a:r>
             <a:r>
               <a:rPr lang="en-US" altLang="zh-CN" sz="1200" dirty="0">
                 <a:hlinkClick r:id="rId6"/>
               </a:rPr>
-              <a:t>https://www.mun.ca/become/graduate/apply-to-memorial/</a:t>
+              <a:t>Visiting scholars/students</a:t>
             </a:r>
             <a:r>
               <a:rPr lang="en-US" altLang="zh-CN" sz="1200" dirty="0"/>
-              <a:t>. </a:t>
+              <a:t>] are also welcomed worldwide.</a:t>
             </a:r>
             <a:endParaRPr kumimoji="1" lang="zh-CN" altLang="en-US" sz="1200" dirty="0"/>
           </a:p>
@@ -3215,7 +3263,7 @@
         </p:nvSpPr>
         <p:spPr>
           <a:xfrm>
-            <a:off x="295968" y="5363035"/>
+            <a:off x="295968" y="5253307"/>
             <a:ext cx="2707574" cy="369332"/>
           </a:xfrm>
           <a:prstGeom prst="rect">
@@ -3261,8 +3309,8 @@
         </p:nvSpPr>
         <p:spPr>
           <a:xfrm>
-            <a:off x="306016" y="5704775"/>
-            <a:ext cx="6363107" cy="2492990"/>
+            <a:off x="306016" y="5595047"/>
+            <a:ext cx="6363107" cy="2677656"/>
           </a:xfrm>
           <a:prstGeom prst="rect">
             <a:avLst/>
@@ -3278,7 +3326,15 @@
             <a:pPr algn="just"/>
             <a:r>
               <a:rPr lang="en-US" altLang="zh-CN" sz="1200" dirty="0"/>
-              <a:t>Qiang Ye received the PhD degree in Electrical and Computer Engineering from the University of Waterloo, ON, Canada, in 2016. Since Sept. 2021, he has been an Assistant Professor with the Department of Computer Science, Memorial University of Newfoundland, NL, Canada. Before joining Memorial, he had been with the Department of Electrical and Computer Engineering and Technology, Minnesota State University, Mankato, USA, as an Assistant Professor from Sept. 2019 to Aug. 2021 and with the Department of Electrical and Computer Engineering, University of Waterloo as a Postdoctoral Fellow and Research Associate from Dec. 2016 to Sept. 2019. He has published over 50 research articles on top-ranked IEEE Journals and Conference Proceedings. He is/was General/TPC co-chairs for different international conferences and workshops, including the IEEE VTC’22, IEEE INFOCOM’22, and IEEE IPCCC’21. He serves/served as associate editors of IEEE Transactions on Cognitive Communications and Networking (TCCN), IEEE Open Journal of the Communications Society (OJ-COMS), Peer-to-Peer Networking and Applications, ACM/Wireless Networks, and International Journal of Distributed Sensor Networks. He is a Senior Member of IEEE.</a:t>
+              <a:t>Qiang (John) Ye received the PhD degree in Electrical and Computer Engineering from the University of Waterloo, ON, Canada, in 2016. Since Sept. 2023, he has been an Assistant Professor with the Department of Electrical and Software Engineering, Schulich School of Engineering, University of Calgary, AB, Canada. Before joining </a:t>
+            </a:r>
+            <a:r>
+              <a:rPr lang="en-US" altLang="zh-CN" sz="1200" dirty="0" err="1"/>
+              <a:t>UCalgary</a:t>
+            </a:r>
+            <a:r>
+              <a:rPr lang="en-US" altLang="zh-CN" sz="1200" dirty="0"/>
+              <a:t>, he worked as an Assistant Professor with the Department of Computer Science, Memorial University of Newfoundland, NL, Canada from Sept. 2021 to Aug. 2023 and with the Department of Electrical and Computer Engineering and Technology, Minnesota State University, Mankato, USA, from Sept. 2019 to Aug. 2021, respectively. He was with the Department of Electrical and Computer Engineering, University of Waterloo as a Postdoctoral Fellow and then a Research Associate from Dec. 2016 to Sept. 2019. He has published around 70 research articles on top-ranked journals and conference proceedings. He is/was the General, Publication, Program Co-chairs for different reputable international conferences and workshops, and serves/served as Associate Editors of prestigious international journals, e.g., IEEE TVT, TCCN, OJ-COMS, and PPNA, etc. He also serves as the IEEE Vehicular Technology Society (VTS) Regions 1-7 Chapters Coordinator (2022-2023). He is a Senior Member of IEEE.</a:t>
             </a:r>
             <a:endParaRPr lang="zh-CN" altLang="zh-CN" sz="1200" dirty="0"/>
           </a:p>
@@ -3292,7 +3348,7 @@
         </p:nvSpPr>
         <p:spPr>
           <a:xfrm>
-            <a:off x="295968" y="8200986"/>
+            <a:off x="295968" y="8237562"/>
             <a:ext cx="2707574" cy="369332"/>
           </a:xfrm>
           <a:prstGeom prst="rect">
@@ -3312,7 +3368,15 @@
                   <a:srgbClr val="99272D"/>
                 </a:solidFill>
               </a:rPr>
-              <a:t>About Memorial</a:t>
+              <a:t>About </a:t>
+            </a:r>
+            <a:r>
+              <a:rPr lang="en-CA" altLang="zh-CN" b="1" dirty="0" err="1">
+                <a:solidFill>
+                  <a:srgbClr val="99272D"/>
+                </a:solidFill>
+              </a:rPr>
+              <a:t>UCalgary</a:t>
             </a:r>
             <a:endParaRPr lang="zh-CN" altLang="en-US" b="1" dirty="0">
               <a:solidFill>
@@ -3330,7 +3394,7 @@
         </p:nvSpPr>
         <p:spPr>
           <a:xfrm>
-            <a:off x="309615" y="8519430"/>
+            <a:off x="309615" y="8556006"/>
             <a:ext cx="6363105" cy="1200329"/>
           </a:xfrm>
           <a:prstGeom prst="rect">
@@ -3347,7 +3411,19 @@
             <a:pPr algn="just"/>
             <a:r>
               <a:rPr lang="en-CA" altLang="zh-CN" sz="1200" dirty="0"/>
-              <a:t>The Memorial University of Newfoundland has been one of the </a:t>
+              <a:t>The University of Calgary is among </a:t>
+            </a:r>
+            <a:r>
+              <a:rPr lang="en-CA" altLang="zh-CN" sz="1200" b="1" dirty="0">
+                <a:solidFill>
+                  <a:srgbClr val="FF0000"/>
+                </a:solidFill>
+              </a:rPr>
+              <a:t>Top 10 universities </a:t>
+            </a:r>
+            <a:r>
+              <a:rPr lang="en-CA" altLang="zh-CN" sz="1200" dirty="0"/>
+              <a:t>in Canada and among</a:t>
             </a:r>
             <a:r>
               <a:rPr lang="en-CA" altLang="zh-CN" sz="1200" dirty="0">
@@ -3355,11 +3431,15 @@
                   <a:srgbClr val="FF0000"/>
                 </a:solidFill>
               </a:rPr>
-              <a:t>top 20 research universities </a:t>
-            </a:r>
-            <a:r>
-              <a:rPr lang="en-CA" altLang="zh-CN" sz="1200" dirty="0"/>
-              <a:t>in Canada and is </a:t>
+              <a:t> </a:t>
+            </a:r>
+            <a:r>
+              <a:rPr lang="en-CA" altLang="zh-CN" sz="1200" b="1" dirty="0">
+                <a:solidFill>
+                  <a:srgbClr val="FF0000"/>
+                </a:solidFill>
+              </a:rPr>
+              <a:t>Top 200 universities worldwide (182, QS 2024).</a:t>
             </a:r>
             <a:r>
               <a:rPr lang="en-CA" altLang="zh-CN" sz="1200" dirty="0">
@@ -3367,35 +3447,95 @@
                   <a:srgbClr val="FF0000"/>
                 </a:solidFill>
               </a:rPr>
-              <a:t>ranked in 7th place</a:t>
+              <a:t> </a:t>
             </a:r>
             <a:r>
               <a:rPr lang="en-CA" altLang="zh-CN" sz="1200" dirty="0"/>
-              <a:t> by the </a:t>
-            </a:r>
-            <a:r>
-              <a:rPr lang="en-CA" altLang="zh-CN" sz="1200" dirty="0">
+              <a:t>It is ranked in the </a:t>
+            </a:r>
+            <a:r>
+              <a:rPr lang="en-CA" altLang="zh-CN" sz="1200" b="1" dirty="0">
                 <a:solidFill>
                   <a:srgbClr val="FF0000"/>
                 </a:solidFill>
               </a:rPr>
-              <a:t>2023 Maclean’s Best Comprehensive Universities</a:t>
-            </a:r>
-            <a:r>
-              <a:rPr lang="en-CA" altLang="zh-CN" sz="1200" dirty="0"/>
-              <a:t>. The university is also ranked in good places on different </a:t>
-            </a:r>
-            <a:r>
-              <a:rPr lang="en-CA" altLang="zh-CN" sz="1200" dirty="0">
+              <a:t>7</a:t>
+            </a:r>
+            <a:r>
+              <a:rPr lang="en-CA" altLang="zh-CN" sz="1200" b="1" baseline="30000" dirty="0">
                 <a:solidFill>
                   <a:srgbClr val="FF0000"/>
                 </a:solidFill>
               </a:rPr>
-              <a:t>global university ranking lists: 751 (QS, 2023), 701 (Shanghai Ranking, 2022), and 601 (Times, 2022)</a:t>
+              <a:t>th</a:t>
+            </a:r>
+            <a:r>
+              <a:rPr lang="en-CA" altLang="zh-CN" sz="1200" b="1" dirty="0">
+                <a:solidFill>
+                  <a:srgbClr val="FF0000"/>
+                </a:solidFill>
+              </a:rPr>
+              <a:t> place </a:t>
             </a:r>
             <a:r>
               <a:rPr lang="en-CA" altLang="zh-CN" sz="1200" dirty="0"/>
-              <a:t>. The Memorial University is located at St. John’s, the capital and largest city of the province Newfoundland and Labrador. St. John’s is also the most easterly coastal city in North America with beautiful landscape.</a:t>
+              <a:t>according to the </a:t>
+            </a:r>
+            <a:r>
+              <a:rPr lang="en-CA" altLang="zh-CN" sz="1200" b="1" dirty="0">
+                <a:solidFill>
+                  <a:srgbClr val="FF0000"/>
+                </a:solidFill>
+              </a:rPr>
+              <a:t>2024 </a:t>
+            </a:r>
+            <a:r>
+              <a:rPr lang="en-US" altLang="zh-CN" sz="1200" b="1" dirty="0">
+                <a:solidFill>
+                  <a:srgbClr val="FF0000"/>
+                </a:solidFill>
+              </a:rPr>
+              <a:t>Maclean's Best Medical Doctoral Canadian Universities</a:t>
+            </a:r>
+            <a:r>
+              <a:rPr lang="en-CA" altLang="zh-CN" sz="1200" dirty="0"/>
+              <a:t>. The </a:t>
+            </a:r>
+            <a:r>
+              <a:rPr lang="en-CA" altLang="zh-CN" sz="1200" dirty="0" err="1"/>
+              <a:t>UCalgary</a:t>
+            </a:r>
+            <a:r>
+              <a:rPr lang="en-CA" altLang="zh-CN" sz="1200" dirty="0"/>
+              <a:t> is located at the City of Calgary, </a:t>
+            </a:r>
+            <a:r>
+              <a:rPr lang="en-US" altLang="zh-CN" sz="1200" dirty="0"/>
+              <a:t>the largest city in the Canadian province of Alberta</a:t>
+            </a:r>
+            <a:r>
+              <a:rPr lang="en-CA" altLang="zh-CN" sz="1200" dirty="0"/>
+              <a:t>. </a:t>
+            </a:r>
+            <a:r>
+              <a:rPr lang="en-US" altLang="zh-CN" sz="1200" dirty="0"/>
+              <a:t>Calgary is the third-largest city and the fourth-largest metro area in Canada. Calgary is ranked the 1st most </a:t>
+            </a:r>
+            <a:r>
+              <a:rPr lang="en-US" altLang="zh-CN" sz="1200" dirty="0" err="1"/>
+              <a:t>liveable</a:t>
+            </a:r>
+            <a:r>
+              <a:rPr lang="en-US" altLang="zh-CN" sz="1200" dirty="0"/>
+              <a:t> city in North America and the 7th in the world (2023 Global </a:t>
+            </a:r>
+            <a:r>
+              <a:rPr lang="en-US" altLang="zh-CN" sz="1200" dirty="0" err="1"/>
+              <a:t>Liveability</a:t>
+            </a:r>
+            <a:r>
+              <a:rPr lang="en-US" altLang="zh-CN" sz="1200" dirty="0"/>
+              <a:t> Ranking, Economist Intelligence Unit).</a:t>
             </a:r>
             <a:endParaRPr lang="zh-CN" altLang="zh-CN" sz="1200" dirty="0"/>
           </a:p>
@@ -3403,28 +3543,58 @@
       </p:sp>
       <p:pic>
         <p:nvPicPr>
-          <p:cNvPr id="18" name="图片 17"/>
+          <p:cNvPr id="7" name="Picture 6" descr="A person wearing glasses and a blue shirt&#10;&#10;Description automatically generated">
+            <a:extLst>
+              <a:ext uri="{FF2B5EF4-FFF2-40B4-BE49-F238E27FC236}">
+                <a16:creationId xmlns:a16="http://schemas.microsoft.com/office/drawing/2014/main" id="{47E6939A-9563-CB70-3A21-65902A2EA4AC}"/>
+              </a:ext>
+            </a:extLst>
+          </p:cNvPr>
           <p:cNvPicPr>
             <a:picLocks noChangeAspect="1"/>
           </p:cNvPicPr>
           <p:nvPr/>
         </p:nvPicPr>
         <p:blipFill>
-          <a:blip r:embed="rId7">
+          <a:blip r:embed="rId7"/>
+          <a:stretch>
+            <a:fillRect/>
+          </a:stretch>
+        </p:blipFill>
+        <p:spPr>
+          <a:xfrm rot="5400000">
+            <a:off x="1396690" y="1595802"/>
+            <a:ext cx="1257411" cy="941832"/>
+          </a:xfrm>
+          <a:prstGeom prst="rect">
+            <a:avLst/>
+          </a:prstGeom>
+        </p:spPr>
+      </p:pic>
+      <p:pic>
+        <p:nvPicPr>
+          <p:cNvPr id="20" name="Picture 19" descr="A black background with a black square&#10;&#10;Description automatically generated with medium confidence">
             <a:extLst>
-              <a:ext uri="{28A0092B-C50C-407E-A947-70E740481C1C}">
-                <a14:useLocalDpi xmlns:a14="http://schemas.microsoft.com/office/drawing/2010/main" val="0"/>
+              <a:ext uri="{FF2B5EF4-FFF2-40B4-BE49-F238E27FC236}">
+                <a16:creationId xmlns:a16="http://schemas.microsoft.com/office/drawing/2014/main" id="{0A750F01-B49E-A83E-8346-AAA2D680FF11}"/>
               </a:ext>
             </a:extLst>
-          </a:blip>
+          </p:cNvPr>
+          <p:cNvPicPr>
+            <a:picLocks noChangeAspect="1"/>
+          </p:cNvPicPr>
+          <p:nvPr/>
+        </p:nvPicPr>
+        <p:blipFill>
+          <a:blip r:embed="rId8"/>
           <a:stretch>
             <a:fillRect/>
           </a:stretch>
         </p:blipFill>
         <p:spPr>
           <a:xfrm>
-            <a:off x="2656051" y="242503"/>
-            <a:ext cx="1528733" cy="909597"/>
+            <a:off x="4564186" y="48059"/>
+            <a:ext cx="2293814" cy="788750"/>
           </a:xfrm>
           <a:prstGeom prst="rect">
             <a:avLst/>
